--- a/presentacion.pptx
+++ b/presentacion.pptx
@@ -5,7 +5,7 @@
     <p:sldMasterId id="2147483701" r:id="rId1"/>
   </p:sldMasterIdLst>
   <p:notesMasterIdLst>
-    <p:notesMasterId r:id="rId9"/>
+    <p:notesMasterId r:id="rId10"/>
   </p:notesMasterIdLst>
   <p:sldIdLst>
     <p:sldId id="256" r:id="rId2"/>
@@ -13,8 +13,9 @@
     <p:sldId id="258" r:id="rId4"/>
     <p:sldId id="261" r:id="rId5"/>
     <p:sldId id="260" r:id="rId6"/>
-    <p:sldId id="263" r:id="rId7"/>
-    <p:sldId id="262" r:id="rId8"/>
+    <p:sldId id="264" r:id="rId7"/>
+    <p:sldId id="263" r:id="rId8"/>
+    <p:sldId id="262" r:id="rId9"/>
   </p:sldIdLst>
   <p:sldSz cx="12192000" cy="6858000"/>
   <p:notesSz cx="6858000" cy="9144000"/>
@@ -203,7 +204,7 @@
           <a:p>
             <a:fld id="{18E78A7D-9201-4869-BF88-FF0AC4C477B1}" type="datetimeFigureOut">
               <a:rPr lang="es-ES" smtClean="0"/>
-              <a:t>19/02/2023</a:t>
+              <a:t>22/02/2023</a:t>
             </a:fld>
             <a:endParaRPr lang="es-ES"/>
           </a:p>
@@ -1027,7 +1028,7 @@
           <a:p>
             <a:fld id="{F86413A0-138D-485F-9D70-00F29DE6C1DC}" type="slidenum">
               <a:rPr lang="es-ES" smtClean="0"/>
-              <a:t>6</a:t>
+              <a:t>7</a:t>
             </a:fld>
             <a:endParaRPr lang="es-ES"/>
           </a:p>
@@ -1118,7 +1119,7 @@
           <a:p>
             <a:fld id="{F86413A0-138D-485F-9D70-00F29DE6C1DC}" type="slidenum">
               <a:rPr lang="es-ES" smtClean="0"/>
-              <a:t>7</a:t>
+              <a:t>8</a:t>
             </a:fld>
             <a:endParaRPr lang="es-ES"/>
           </a:p>
@@ -1284,7 +1285,7 @@
           <a:p>
             <a:fld id="{47DF0A5B-B7D1-445D-8331-47D4213A103C}" type="datetimeFigureOut">
               <a:rPr lang="es-ES" smtClean="0"/>
-              <a:t>19/02/2023</a:t>
+              <a:t>22/02/2023</a:t>
             </a:fld>
             <a:endParaRPr lang="es-ES"/>
           </a:p>
@@ -1482,7 +1483,7 @@
           <a:p>
             <a:fld id="{47DF0A5B-B7D1-445D-8331-47D4213A103C}" type="datetimeFigureOut">
               <a:rPr lang="es-ES" smtClean="0"/>
-              <a:t>19/02/2023</a:t>
+              <a:t>22/02/2023</a:t>
             </a:fld>
             <a:endParaRPr lang="es-ES"/>
           </a:p>
@@ -1690,7 +1691,7 @@
           <a:p>
             <a:fld id="{47DF0A5B-B7D1-445D-8331-47D4213A103C}" type="datetimeFigureOut">
               <a:rPr lang="es-ES" smtClean="0"/>
-              <a:t>19/02/2023</a:t>
+              <a:t>22/02/2023</a:t>
             </a:fld>
             <a:endParaRPr lang="es-ES"/>
           </a:p>
@@ -1888,7 +1889,7 @@
           <a:p>
             <a:fld id="{47DF0A5B-B7D1-445D-8331-47D4213A103C}" type="datetimeFigureOut">
               <a:rPr lang="es-ES" smtClean="0"/>
-              <a:t>19/02/2023</a:t>
+              <a:t>22/02/2023</a:t>
             </a:fld>
             <a:endParaRPr lang="es-ES"/>
           </a:p>
@@ -2163,7 +2164,7 @@
           <a:p>
             <a:fld id="{47DF0A5B-B7D1-445D-8331-47D4213A103C}" type="datetimeFigureOut">
               <a:rPr lang="es-ES" smtClean="0"/>
-              <a:t>19/02/2023</a:t>
+              <a:t>22/02/2023</a:t>
             </a:fld>
             <a:endParaRPr lang="es-ES"/>
           </a:p>
@@ -2428,7 +2429,7 @@
           <a:p>
             <a:fld id="{47DF0A5B-B7D1-445D-8331-47D4213A103C}" type="datetimeFigureOut">
               <a:rPr lang="es-ES" smtClean="0"/>
-              <a:t>19/02/2023</a:t>
+              <a:t>22/02/2023</a:t>
             </a:fld>
             <a:endParaRPr lang="es-ES"/>
           </a:p>
@@ -2840,7 +2841,7 @@
           <a:p>
             <a:fld id="{47DF0A5B-B7D1-445D-8331-47D4213A103C}" type="datetimeFigureOut">
               <a:rPr lang="es-ES" smtClean="0"/>
-              <a:t>19/02/2023</a:t>
+              <a:t>22/02/2023</a:t>
             </a:fld>
             <a:endParaRPr lang="es-ES"/>
           </a:p>
@@ -2981,7 +2982,7 @@
           <a:p>
             <a:fld id="{47DF0A5B-B7D1-445D-8331-47D4213A103C}" type="datetimeFigureOut">
               <a:rPr lang="es-ES" smtClean="0"/>
-              <a:t>19/02/2023</a:t>
+              <a:t>22/02/2023</a:t>
             </a:fld>
             <a:endParaRPr lang="es-ES"/>
           </a:p>
@@ -3094,7 +3095,7 @@
           <a:p>
             <a:fld id="{47DF0A5B-B7D1-445D-8331-47D4213A103C}" type="datetimeFigureOut">
               <a:rPr lang="es-ES" smtClean="0"/>
-              <a:t>19/02/2023</a:t>
+              <a:t>22/02/2023</a:t>
             </a:fld>
             <a:endParaRPr lang="es-ES"/>
           </a:p>
@@ -3405,7 +3406,7 @@
           <a:p>
             <a:fld id="{47DF0A5B-B7D1-445D-8331-47D4213A103C}" type="datetimeFigureOut">
               <a:rPr lang="es-ES" smtClean="0"/>
-              <a:t>19/02/2023</a:t>
+              <a:t>22/02/2023</a:t>
             </a:fld>
             <a:endParaRPr lang="es-ES"/>
           </a:p>
@@ -3693,7 +3694,7 @@
           <a:p>
             <a:fld id="{47DF0A5B-B7D1-445D-8331-47D4213A103C}" type="datetimeFigureOut">
               <a:rPr lang="es-ES" smtClean="0"/>
-              <a:t>19/02/2023</a:t>
+              <a:t>22/02/2023</a:t>
             </a:fld>
             <a:endParaRPr lang="es-ES"/>
           </a:p>
@@ -3934,7 +3935,7 @@
           <a:p>
             <a:fld id="{47DF0A5B-B7D1-445D-8331-47D4213A103C}" type="datetimeFigureOut">
               <a:rPr lang="es-ES" smtClean="0"/>
-              <a:t>19/02/2023</a:t>
+              <a:t>22/02/2023</a:t>
             </a:fld>
             <a:endParaRPr lang="es-ES"/>
           </a:p>
@@ -4975,34 +4976,94 @@
           <a:bodyPr/>
           <a:lstStyle/>
           <a:p>
-            <a:pPr algn="just"/>
-            <a:r>
-              <a:rPr lang="es-ES" sz="4000" dirty="0"/>
-              <a:t>300,800</a:t>
+            <a:pPr algn="ctr"/>
+            <a:r>
+              <a:rPr lang="es-ES" sz="2400" dirty="0">
+                <a:latin typeface="Bahnschrift" panose="020B0502040204020203" pitchFamily="34" charset="0"/>
+              </a:rPr>
+              <a:t>Implantación:</a:t>
+            </a:r>
+            <a:r>
+              <a:rPr lang="es-ES" sz="2000" dirty="0">
+                <a:latin typeface="Bahnschrift" panose="020B0502040204020203" pitchFamily="34" charset="0"/>
+              </a:rPr>
+              <a:t> </a:t>
+            </a:r>
+            <a:br>
+              <a:rPr lang="es-ES" sz="2000" dirty="0">
+                <a:latin typeface="Bahnschrift" panose="020B0502040204020203" pitchFamily="34" charset="0"/>
+              </a:rPr>
+            </a:br>
+            <a:r>
+              <a:rPr lang="es-ES" sz="2000" dirty="0">
+                <a:latin typeface="Bahnschrift" panose="020B0502040204020203" pitchFamily="34" charset="0"/>
+              </a:rPr>
+              <a:t>entre </a:t>
+            </a:r>
+            <a:r>
+              <a:rPr lang="es-ES" sz="3200" dirty="0"/>
+              <a:t>300 </a:t>
+            </a:r>
+            <a:r>
+              <a:rPr lang="es-ES" sz="1600" dirty="0"/>
+              <a:t>y</a:t>
+            </a:r>
+            <a:r>
+              <a:rPr lang="es-ES" sz="3200" dirty="0"/>
+              <a:t> 800 </a:t>
+            </a:r>
+            <a:br>
+              <a:rPr lang="es-ES" sz="3200" dirty="0"/>
+            </a:br>
+            <a:r>
+              <a:rPr lang="es-ES" sz="3200" dirty="0"/>
+              <a:t>+150 </a:t>
+            </a:r>
+            <a:r>
+              <a:rPr lang="es-ES" sz="2000" dirty="0"/>
+              <a:t>inicial 3 meses</a:t>
             </a:r>
             <a:br>
               <a:rPr lang="es-ES" sz="4000" dirty="0"/>
-            </a:br>
-            <a:r>
-              <a:rPr lang="es-ES" sz="4000" dirty="0"/>
-              <a:t>+150</a:t>
-            </a:r>
-            <a:br>
-              <a:rPr lang="es-ES" sz="4000" dirty="0"/>
-            </a:br>
-            <a:r>
-              <a:rPr lang="es-ES" sz="4000" dirty="0"/>
-              <a:t>inicial</a:t>
-            </a:r>
-            <a:br>
-              <a:rPr lang="es-ES" dirty="0"/>
             </a:br>
             <a:br>
               <a:rPr lang="es-ES" dirty="0"/>
             </a:br>
             <a:r>
+              <a:rPr lang="es-ES" sz="2800" dirty="0">
+                <a:latin typeface="Bahnschrift" panose="020B0502040204020203" pitchFamily="34" charset="0"/>
+              </a:rPr>
+              <a:t>Plan </a:t>
+            </a:r>
+            <a:r>
+              <a:rPr lang="es-ES" sz="2800" u="sng" dirty="0">
+                <a:latin typeface="Bahnschrift" panose="020B0502040204020203" pitchFamily="34" charset="0"/>
+              </a:rPr>
+              <a:t>mensual</a:t>
+            </a:r>
+            <a:r>
+              <a:rPr lang="es-ES" sz="2800" dirty="0">
+                <a:latin typeface="Bahnschrift" panose="020B0502040204020203" pitchFamily="34" charset="0"/>
+              </a:rPr>
+              <a:t>:</a:t>
+            </a:r>
+            <a:br>
+              <a:rPr lang="es-ES" sz="4800" dirty="0">
+                <a:latin typeface="Bahnschrift" panose="020B0502040204020203" pitchFamily="34" charset="0"/>
+              </a:rPr>
+            </a:br>
+            <a:r>
               <a:rPr lang="es-ES" sz="3600" dirty="0"/>
-              <a:t>35</a:t>
+              <a:t>35 </a:t>
+            </a:r>
+            <a:r>
+              <a:rPr lang="es-ES" sz="2000" dirty="0">
+                <a:solidFill>
+                  <a:prstClr val="black"/>
+                </a:solidFill>
+                <a:latin typeface="Calibri Light" panose="020F0302020204030204"/>
+              </a:rPr>
+              <a:t>mantenimiento</a:t>
             </a:r>
             <a:br>
               <a:rPr lang="es-ES" sz="3600" dirty="0"/>
@@ -5011,6 +5072,23 @@
               <a:rPr lang="es-ES" sz="3600" dirty="0"/>
               <a:t>50</a:t>
             </a:r>
+            <a:r>
+              <a:rPr kumimoji="0" lang="es-ES" sz="2000" b="0" i="0" u="none" strike="noStrike" kern="1200" cap="none" spc="0" normalizeH="0" baseline="0" noProof="0" dirty="0">
+                <a:ln>
+                  <a:noFill/>
+                </a:ln>
+                <a:solidFill>
+                  <a:prstClr val="black"/>
+                </a:solidFill>
+                <a:effectLst/>
+                <a:uLnTx/>
+                <a:uFillTx/>
+                <a:latin typeface="Calibri Light" panose="020F0302020204030204"/>
+                <a:ea typeface="+mj-ea"/>
+                <a:cs typeface="+mj-cs"/>
+              </a:rPr>
+              <a:t> primeros 3 meses + demanda</a:t>
+            </a:r>
             <a:br>
               <a:rPr lang="es-ES" sz="3600" dirty="0"/>
             </a:br>
@@ -5018,13 +5096,26 @@
               <a:rPr lang="es-ES" sz="3600" dirty="0"/>
               <a:t>80</a:t>
             </a:r>
+            <a:r>
+              <a:rPr kumimoji="0" lang="es-ES" sz="2000" b="0" i="0" u="none" strike="noStrike" kern="1200" cap="none" spc="0" normalizeH="0" baseline="0" noProof="0" dirty="0">
+                <a:ln>
+                  <a:noFill/>
+                </a:ln>
+                <a:solidFill>
+                  <a:prstClr val="black"/>
+                </a:solidFill>
+                <a:effectLst/>
+                <a:uLnTx/>
+                <a:uFillTx/>
+                <a:latin typeface="Calibri Light" panose="020F0302020204030204"/>
+                <a:ea typeface="+mj-ea"/>
+                <a:cs typeface="+mj-cs"/>
+              </a:rPr>
+              <a:t> premium</a:t>
+            </a:r>
             <a:br>
               <a:rPr lang="es-ES" sz="3600" dirty="0"/>
             </a:br>
-            <a:r>
-              <a:rPr lang="es-ES" sz="3600" dirty="0"/>
-              <a:t>mes</a:t>
-            </a:r>
             <a:br>
               <a:rPr lang="es-ES" dirty="0"/>
             </a:br>
@@ -5063,7 +5154,7 @@
         </p:blipFill>
         <p:spPr bwMode="auto">
           <a:xfrm>
-            <a:off x="5483440" y="961953"/>
+            <a:off x="6687785" y="517692"/>
             <a:ext cx="4369883" cy="3495907"/>
           </a:xfrm>
           <a:prstGeom prst="rect">
@@ -5152,6 +5243,107 @@
           <p:cNvPr id="2" name="Título 1">
             <a:extLst>
               <a:ext uri="{FF2B5EF4-FFF2-40B4-BE49-F238E27FC236}">
+                <a16:creationId xmlns:a16="http://schemas.microsoft.com/office/drawing/2014/main" id="{0F24653E-053C-44E0-912E-AF0097670A2E}"/>
+              </a:ext>
+            </a:extLst>
+          </p:cNvPr>
+          <p:cNvSpPr>
+            <a:spLocks noGrp="1"/>
+          </p:cNvSpPr>
+          <p:nvPr>
+            <p:ph type="title"/>
+          </p:nvPr>
+        </p:nvSpPr>
+        <p:spPr/>
+        <p:txBody>
+          <a:bodyPr/>
+          <a:lstStyle/>
+          <a:p>
+            <a:r>
+              <a:rPr lang="es-ES" dirty="0"/>
+              <a:t>Enlace al convenio colectivo</a:t>
+            </a:r>
+          </a:p>
+        </p:txBody>
+      </p:sp>
+      <p:sp>
+        <p:nvSpPr>
+          <p:cNvPr id="3" name="Marcador de contenido 2">
+            <a:extLst>
+              <a:ext uri="{FF2B5EF4-FFF2-40B4-BE49-F238E27FC236}">
+                <a16:creationId xmlns:a16="http://schemas.microsoft.com/office/drawing/2014/main" id="{AD3D8CE8-79DE-4D35-A0B9-CABD3A1939E0}"/>
+              </a:ext>
+            </a:extLst>
+          </p:cNvPr>
+          <p:cNvSpPr>
+            <a:spLocks noGrp="1"/>
+          </p:cNvSpPr>
+          <p:nvPr>
+            <p:ph idx="1"/>
+          </p:nvPr>
+        </p:nvSpPr>
+        <p:spPr/>
+        <p:txBody>
+          <a:bodyPr/>
+          <a:lstStyle/>
+          <a:p>
+            <a:r>
+              <a:rPr lang="es-ES" dirty="0">
+                <a:hlinkClick r:id="rId2"/>
+              </a:rPr>
+              <a:t>https://www.iberley.es/convenios/sector/convenio-colectivo-oficinas-despachos-salamanca-5900039</a:t>
+            </a:r>
+            <a:endParaRPr lang="es-ES" dirty="0"/>
+          </a:p>
+          <a:p>
+            <a:endParaRPr lang="es-ES" dirty="0"/>
+          </a:p>
+          <a:p>
+            <a:r>
+              <a:rPr lang="es-ES" dirty="0"/>
+              <a:t>Tarifa plana de autónomos: Tarifa de 60 euros mensuales para los nuevos autónomos, que se mantienen durante los primeros 12 meses. A partir del mes 13 y hasta el mes 18, la cuota se incrementa de forma progresiva, llegando a una cuota de 143,65 euros mensuales en el mes 18.</a:t>
+            </a:r>
+          </a:p>
+          <a:p>
+            <a:endParaRPr lang="es-ES" dirty="0"/>
+          </a:p>
+        </p:txBody>
+      </p:sp>
+    </p:spTree>
+    <p:extLst>
+      <p:ext uri="{BB962C8B-B14F-4D97-AF65-F5344CB8AC3E}">
+        <p14:creationId xmlns:p14="http://schemas.microsoft.com/office/powerpoint/2010/main" val="134896817"/>
+      </p:ext>
+    </p:extLst>
+  </p:cSld>
+  <p:clrMapOvr>
+    <a:masterClrMapping/>
+  </p:clrMapOvr>
+</p:sld>
+</file>
+
+<file path=ppt/slides/slide7.xml><?xml version="1.0" encoding="utf-8"?>
+<p:sld xmlns:a="http://schemas.openxmlformats.org/drawingml/2006/main" xmlns:r="http://schemas.openxmlformats.org/officeDocument/2006/relationships" xmlns:p="http://schemas.openxmlformats.org/presentationml/2006/main">
+  <p:cSld>
+    <p:spTree>
+      <p:nvGrpSpPr>
+        <p:cNvPr id="1" name=""/>
+        <p:cNvGrpSpPr/>
+        <p:nvPr/>
+      </p:nvGrpSpPr>
+      <p:grpSpPr>
+        <a:xfrm>
+          <a:off x="0" y="0"/>
+          <a:ext cx="0" cy="0"/>
+          <a:chOff x="0" y="0"/>
+          <a:chExt cx="0" cy="0"/>
+        </a:xfrm>
+      </p:grpSpPr>
+      <p:sp>
+        <p:nvSpPr>
+          <p:cNvPr id="2" name="Título 1">
+            <a:extLst>
+              <a:ext uri="{FF2B5EF4-FFF2-40B4-BE49-F238E27FC236}">
                 <a16:creationId xmlns:a16="http://schemas.microsoft.com/office/drawing/2014/main" id="{9E8E61B6-6F45-409C-9FF2-C991833EA81A}"/>
               </a:ext>
             </a:extLst>
@@ -5281,7 +5473,7 @@
 </p:sld>
 </file>
 
-<file path=ppt/slides/slide7.xml><?xml version="1.0" encoding="utf-8"?>
+<file path=ppt/slides/slide8.xml><?xml version="1.0" encoding="utf-8"?>
 <p:sld xmlns:a="http://schemas.openxmlformats.org/drawingml/2006/main" xmlns:r="http://schemas.openxmlformats.org/officeDocument/2006/relationships" xmlns:p="http://schemas.openxmlformats.org/presentationml/2006/main">
   <p:cSld>
     <p:spTree>
